--- a/casino_memo_1/casino_tables.pptx
+++ b/casino_memo_1/casino_tables.pptx
@@ -7,6 +7,7 @@
   <p:sldIdLst>
     <p:sldId id="262" r:id="rId2"/>
     <p:sldId id="263" r:id="rId3"/>
+    <p:sldId id="264" r:id="rId4"/>
   </p:sldIdLst>
   <p:sldSz cx="12192000" cy="6858000"/>
   <p:notesSz cx="6858000" cy="9144000"/>
@@ -3441,7 +3442,7 @@
           <p:nvPr>
             <p:extLst>
               <p:ext uri="{D42A27DB-BD31-4B8C-83A1-F6EECF244321}">
-                <p14:modId xmlns:p14="http://schemas.microsoft.com/office/powerpoint/2010/main" val="3074381821"/>
+                <p14:modId xmlns:p14="http://schemas.microsoft.com/office/powerpoint/2010/main" val="504328033"/>
               </p:ext>
             </p:extLst>
           </p:nvPr>
@@ -3493,6 +3494,36 @@
     <p:extLst>
       <p:ext uri="{BB962C8B-B14F-4D97-AF65-F5344CB8AC3E}">
         <p14:creationId xmlns:p14="http://schemas.microsoft.com/office/powerpoint/2010/main" val="3937722318"/>
+      </p:ext>
+    </p:extLst>
+  </p:cSld>
+  <p:clrMapOvr>
+    <a:masterClrMapping/>
+  </p:clrMapOvr>
+</p:sld>
+</file>
+
+<file path=ppt/slides/slide3.xml><?xml version="1.0" encoding="utf-8"?>
+<p:sld xmlns:a="http://schemas.openxmlformats.org/drawingml/2006/main" xmlns:r="http://schemas.openxmlformats.org/officeDocument/2006/relationships" xmlns:p="http://schemas.openxmlformats.org/presentationml/2006/main">
+  <p:cSld>
+    <p:spTree>
+      <p:nvGrpSpPr>
+        <p:cNvPr id="1" name=""/>
+        <p:cNvGrpSpPr/>
+        <p:nvPr/>
+      </p:nvGrpSpPr>
+      <p:grpSpPr>
+        <a:xfrm>
+          <a:off x="0" y="0"/>
+          <a:ext cx="0" cy="0"/>
+          <a:chOff x="0" y="0"/>
+          <a:chExt cx="0" cy="0"/>
+        </a:xfrm>
+      </p:grpSpPr>
+    </p:spTree>
+    <p:extLst>
+      <p:ext uri="{BB962C8B-B14F-4D97-AF65-F5344CB8AC3E}">
+        <p14:creationId xmlns:p14="http://schemas.microsoft.com/office/powerpoint/2010/main" val="3589616459"/>
       </p:ext>
     </p:extLst>
   </p:cSld>
